--- a/img/imgs.pptx
+++ b/img/imgs.pptx
@@ -259,7 +259,7 @@
           <a:p>
             <a:fld id="{E1D061CF-8DA4-4132-BBF9-9F36E46E278C}" type="datetimeFigureOut">
               <a:rPr kumimoji="1" lang="ja-JP" altLang="en-US" smtClean="0"/>
-              <a:t>2021/6/14</a:t>
+              <a:t>2021/11/29</a:t>
             </a:fld>
             <a:endParaRPr kumimoji="1" lang="ja-JP" altLang="en-US"/>
           </a:p>
@@ -489,7 +489,7 @@
           <a:p>
             <a:fld id="{E1D061CF-8DA4-4132-BBF9-9F36E46E278C}" type="datetimeFigureOut">
               <a:rPr kumimoji="1" lang="ja-JP" altLang="en-US" smtClean="0"/>
-              <a:t>2021/6/14</a:t>
+              <a:t>2021/11/29</a:t>
             </a:fld>
             <a:endParaRPr kumimoji="1" lang="ja-JP" altLang="en-US"/>
           </a:p>
@@ -729,7 +729,7 @@
           <a:p>
             <a:fld id="{E1D061CF-8DA4-4132-BBF9-9F36E46E278C}" type="datetimeFigureOut">
               <a:rPr kumimoji="1" lang="ja-JP" altLang="en-US" smtClean="0"/>
-              <a:t>2021/6/14</a:t>
+              <a:t>2021/11/29</a:t>
             </a:fld>
             <a:endParaRPr kumimoji="1" lang="ja-JP" altLang="en-US"/>
           </a:p>
@@ -959,7 +959,7 @@
           <a:p>
             <a:fld id="{E1D061CF-8DA4-4132-BBF9-9F36E46E278C}" type="datetimeFigureOut">
               <a:rPr kumimoji="1" lang="ja-JP" altLang="en-US" smtClean="0"/>
-              <a:t>2021/6/14</a:t>
+              <a:t>2021/11/29</a:t>
             </a:fld>
             <a:endParaRPr kumimoji="1" lang="ja-JP" altLang="en-US"/>
           </a:p>
@@ -1234,7 +1234,7 @@
           <a:p>
             <a:fld id="{E1D061CF-8DA4-4132-BBF9-9F36E46E278C}" type="datetimeFigureOut">
               <a:rPr kumimoji="1" lang="ja-JP" altLang="en-US" smtClean="0"/>
-              <a:t>2021/6/14</a:t>
+              <a:t>2021/11/29</a:t>
             </a:fld>
             <a:endParaRPr kumimoji="1" lang="ja-JP" altLang="en-US"/>
           </a:p>
@@ -1563,7 +1563,7 @@
           <a:p>
             <a:fld id="{E1D061CF-8DA4-4132-BBF9-9F36E46E278C}" type="datetimeFigureOut">
               <a:rPr kumimoji="1" lang="ja-JP" altLang="en-US" smtClean="0"/>
-              <a:t>2021/6/14</a:t>
+              <a:t>2021/11/29</a:t>
             </a:fld>
             <a:endParaRPr kumimoji="1" lang="ja-JP" altLang="en-US"/>
           </a:p>
@@ -2039,7 +2039,7 @@
           <a:p>
             <a:fld id="{E1D061CF-8DA4-4132-BBF9-9F36E46E278C}" type="datetimeFigureOut">
               <a:rPr kumimoji="1" lang="ja-JP" altLang="en-US" smtClean="0"/>
-              <a:t>2021/6/14</a:t>
+              <a:t>2021/11/29</a:t>
             </a:fld>
             <a:endParaRPr kumimoji="1" lang="ja-JP" altLang="en-US"/>
           </a:p>
@@ -2180,7 +2180,7 @@
           <a:p>
             <a:fld id="{E1D061CF-8DA4-4132-BBF9-9F36E46E278C}" type="datetimeFigureOut">
               <a:rPr kumimoji="1" lang="ja-JP" altLang="en-US" smtClean="0"/>
-              <a:t>2021/6/14</a:t>
+              <a:t>2021/11/29</a:t>
             </a:fld>
             <a:endParaRPr kumimoji="1" lang="ja-JP" altLang="en-US"/>
           </a:p>
@@ -2293,7 +2293,7 @@
           <a:p>
             <a:fld id="{E1D061CF-8DA4-4132-BBF9-9F36E46E278C}" type="datetimeFigureOut">
               <a:rPr kumimoji="1" lang="ja-JP" altLang="en-US" smtClean="0"/>
-              <a:t>2021/6/14</a:t>
+              <a:t>2021/11/29</a:t>
             </a:fld>
             <a:endParaRPr kumimoji="1" lang="ja-JP" altLang="en-US"/>
           </a:p>
@@ -2636,7 +2636,7 @@
           <a:p>
             <a:fld id="{E1D061CF-8DA4-4132-BBF9-9F36E46E278C}" type="datetimeFigureOut">
               <a:rPr kumimoji="1" lang="ja-JP" altLang="en-US" smtClean="0"/>
-              <a:t>2021/6/14</a:t>
+              <a:t>2021/11/29</a:t>
             </a:fld>
             <a:endParaRPr kumimoji="1" lang="ja-JP" altLang="en-US"/>
           </a:p>
@@ -2924,7 +2924,7 @@
           <a:p>
             <a:fld id="{E1D061CF-8DA4-4132-BBF9-9F36E46E278C}" type="datetimeFigureOut">
               <a:rPr kumimoji="1" lang="ja-JP" altLang="en-US" smtClean="0"/>
-              <a:t>2021/6/14</a:t>
+              <a:t>2021/11/29</a:t>
             </a:fld>
             <a:endParaRPr kumimoji="1" lang="ja-JP" altLang="en-US"/>
           </a:p>
@@ -3197,7 +3197,7 @@
           <a:p>
             <a:fld id="{E1D061CF-8DA4-4132-BBF9-9F36E46E278C}" type="datetimeFigureOut">
               <a:rPr kumimoji="1" lang="ja-JP" altLang="en-US" smtClean="0"/>
-              <a:t>2021/6/14</a:t>
+              <a:t>2021/11/29</a:t>
             </a:fld>
             <a:endParaRPr kumimoji="1" lang="ja-JP" altLang="en-US"/>
           </a:p>
@@ -3950,7 +3950,7 @@
         </p:nvGrpSpPr>
         <p:grpSpPr>
           <a:xfrm>
-            <a:off x="1880468" y="3900990"/>
+            <a:off x="9500468" y="982299"/>
             <a:ext cx="1522800" cy="650074"/>
             <a:chOff x="1176165" y="914398"/>
             <a:chExt cx="11066916" cy="4724402"/>
@@ -4256,6 +4256,626 @@
           </p:txBody>
         </p:sp>
       </p:grpSp>
+      <p:grpSp>
+        <p:nvGrpSpPr>
+          <p:cNvPr id="22" name="グループ化 21"/>
+          <p:cNvGrpSpPr>
+            <a:grpSpLocks noChangeAspect="1"/>
+          </p:cNvGrpSpPr>
+          <p:nvPr/>
+        </p:nvGrpSpPr>
+        <p:grpSpPr>
+          <a:xfrm>
+            <a:off x="3145769" y="3530803"/>
+            <a:ext cx="2514600" cy="2514600"/>
+            <a:chOff x="369256" y="281489"/>
+            <a:chExt cx="2514600" cy="2514600"/>
+          </a:xfrm>
+        </p:grpSpPr>
+        <p:sp>
+          <p:nvSpPr>
+            <p:cNvPr id="23" name="フレーム 22">
+              <a:extLst>
+                <a:ext uri="{FF2B5EF4-FFF2-40B4-BE49-F238E27FC236}">
+                  <a16:creationId xmlns:a16="http://schemas.microsoft.com/office/drawing/2014/main" id="{DF01115C-46E5-4CBC-BB3A-2F537B7D3510}"/>
+                </a:ext>
+              </a:extLst>
+            </p:cNvPr>
+            <p:cNvSpPr/>
+            <p:nvPr/>
+          </p:nvSpPr>
+          <p:spPr>
+            <a:xfrm>
+              <a:off x="674054" y="281489"/>
+              <a:ext cx="2209802" cy="2209802"/>
+            </a:xfrm>
+            <a:prstGeom prst="frame">
+              <a:avLst/>
+            </a:prstGeom>
+            <a:solidFill>
+              <a:srgbClr val="0070C0"/>
+            </a:solidFill>
+            <a:ln w="25400">
+              <a:noFill/>
+            </a:ln>
+          </p:spPr>
+          <p:style>
+            <a:lnRef idx="2">
+              <a:schemeClr val="accent1">
+                <a:shade val="50000"/>
+              </a:schemeClr>
+            </a:lnRef>
+            <a:fillRef idx="1">
+              <a:schemeClr val="accent1"/>
+            </a:fillRef>
+            <a:effectRef idx="0">
+              <a:schemeClr val="accent1"/>
+            </a:effectRef>
+            <a:fontRef idx="minor">
+              <a:schemeClr val="lt1"/>
+            </a:fontRef>
+          </p:style>
+          <p:txBody>
+            <a:bodyPr rtlCol="0" anchor="ctr"/>
+            <a:lstStyle/>
+            <a:p>
+              <a:pPr algn="ctr"/>
+              <a:endParaRPr kumimoji="1" lang="ja-JP" altLang="en-US">
+                <a:solidFill>
+                  <a:schemeClr val="tx1"/>
+                </a:solidFill>
+              </a:endParaRPr>
+            </a:p>
+          </p:txBody>
+        </p:sp>
+        <p:sp>
+          <p:nvSpPr>
+            <p:cNvPr id="24" name="フレーム 23">
+              <a:extLst>
+                <a:ext uri="{FF2B5EF4-FFF2-40B4-BE49-F238E27FC236}">
+                  <a16:creationId xmlns:a16="http://schemas.microsoft.com/office/drawing/2014/main" id="{0A1F0DA4-3A73-434F-846C-F0A360F449C1}"/>
+                </a:ext>
+              </a:extLst>
+            </p:cNvPr>
+            <p:cNvSpPr/>
+            <p:nvPr/>
+          </p:nvSpPr>
+          <p:spPr>
+            <a:xfrm>
+              <a:off x="1835943" y="664136"/>
+              <a:ext cx="664369" cy="666983"/>
+            </a:xfrm>
+            <a:prstGeom prst="frame">
+              <a:avLst/>
+            </a:prstGeom>
+            <a:solidFill>
+              <a:srgbClr val="FFFF00"/>
+            </a:solidFill>
+            <a:ln w="25400">
+              <a:noFill/>
+            </a:ln>
+          </p:spPr>
+          <p:style>
+            <a:lnRef idx="2">
+              <a:schemeClr val="accent1">
+                <a:shade val="50000"/>
+              </a:schemeClr>
+            </a:lnRef>
+            <a:fillRef idx="1">
+              <a:schemeClr val="accent1"/>
+            </a:fillRef>
+            <a:effectRef idx="0">
+              <a:schemeClr val="accent1"/>
+            </a:effectRef>
+            <a:fontRef idx="minor">
+              <a:schemeClr val="lt1"/>
+            </a:fontRef>
+          </p:style>
+          <p:txBody>
+            <a:bodyPr rtlCol="0" anchor="ctr"/>
+            <a:lstStyle/>
+            <a:p>
+              <a:pPr algn="ctr"/>
+              <a:endParaRPr kumimoji="1" lang="ja-JP" altLang="en-US">
+                <a:solidFill>
+                  <a:schemeClr val="tx1"/>
+                </a:solidFill>
+              </a:endParaRPr>
+            </a:p>
+          </p:txBody>
+        </p:sp>
+        <p:sp>
+          <p:nvSpPr>
+            <p:cNvPr id="25" name="L 字 24">
+              <a:extLst>
+                <a:ext uri="{FF2B5EF4-FFF2-40B4-BE49-F238E27FC236}">
+                  <a16:creationId xmlns:a16="http://schemas.microsoft.com/office/drawing/2014/main" id="{F0E29906-E0DE-484F-871C-7BAA1E08E7E4}"/>
+                </a:ext>
+              </a:extLst>
+            </p:cNvPr>
+            <p:cNvSpPr/>
+            <p:nvPr/>
+          </p:nvSpPr>
+          <p:spPr>
+            <a:xfrm>
+              <a:off x="369256" y="281489"/>
+              <a:ext cx="2514600" cy="2514600"/>
+            </a:xfrm>
+            <a:prstGeom prst="corner">
+              <a:avLst>
+                <a:gd name="adj1" fmla="val 13137"/>
+                <a:gd name="adj2" fmla="val 12567"/>
+              </a:avLst>
+            </a:prstGeom>
+            <a:solidFill>
+              <a:srgbClr val="00B050"/>
+            </a:solidFill>
+            <a:ln>
+              <a:noFill/>
+            </a:ln>
+          </p:spPr>
+          <p:style>
+            <a:lnRef idx="2">
+              <a:schemeClr val="accent1">
+                <a:shade val="50000"/>
+              </a:schemeClr>
+            </a:lnRef>
+            <a:fillRef idx="1">
+              <a:schemeClr val="accent1"/>
+            </a:fillRef>
+            <a:effectRef idx="0">
+              <a:schemeClr val="accent1"/>
+            </a:effectRef>
+            <a:fontRef idx="minor">
+              <a:schemeClr val="lt1"/>
+            </a:fontRef>
+          </p:style>
+          <p:txBody>
+            <a:bodyPr rtlCol="0" anchor="ctr"/>
+            <a:lstStyle/>
+            <a:p>
+              <a:pPr algn="ctr"/>
+              <a:endParaRPr kumimoji="1" lang="ja-JP" altLang="en-US"/>
+            </a:p>
+          </p:txBody>
+        </p:sp>
+        <p:grpSp>
+          <p:nvGrpSpPr>
+            <p:cNvPr id="26" name="グループ化 25"/>
+            <p:cNvGrpSpPr/>
+            <p:nvPr/>
+          </p:nvGrpSpPr>
+          <p:grpSpPr>
+            <a:xfrm>
+              <a:off x="1724394" y="557213"/>
+              <a:ext cx="883076" cy="1657351"/>
+              <a:chOff x="6057898" y="281491"/>
+              <a:chExt cx="2514600" cy="4724400"/>
+            </a:xfrm>
+          </p:grpSpPr>
+          <p:sp>
+            <p:nvSpPr>
+              <p:cNvPr id="27" name="L 字 26">
+                <a:extLst>
+                  <a:ext uri="{FF2B5EF4-FFF2-40B4-BE49-F238E27FC236}">
+                    <a16:creationId xmlns:a16="http://schemas.microsoft.com/office/drawing/2014/main" id="{42004B5C-3477-4467-B6BB-C19CD672BDB5}"/>
+                  </a:ext>
+                </a:extLst>
+              </p:cNvPr>
+              <p:cNvSpPr/>
+              <p:nvPr/>
+            </p:nvSpPr>
+            <p:spPr>
+              <a:xfrm rot="16200000">
+                <a:off x="6210298" y="2643691"/>
+                <a:ext cx="2209800" cy="2514600"/>
+              </a:xfrm>
+              <a:prstGeom prst="corner">
+                <a:avLst>
+                  <a:gd name="adj1" fmla="val 13623"/>
+                  <a:gd name="adj2" fmla="val 14515"/>
+                </a:avLst>
+              </a:prstGeom>
+              <a:solidFill>
+                <a:srgbClr val="FF0000"/>
+              </a:solidFill>
+              <a:ln>
+                <a:noFill/>
+              </a:ln>
+            </p:spPr>
+            <p:style>
+              <a:lnRef idx="2">
+                <a:schemeClr val="accent1">
+                  <a:shade val="50000"/>
+                </a:schemeClr>
+              </a:lnRef>
+              <a:fillRef idx="1">
+                <a:schemeClr val="accent1"/>
+              </a:fillRef>
+              <a:effectRef idx="0">
+                <a:schemeClr val="accent1"/>
+              </a:effectRef>
+              <a:fontRef idx="minor">
+                <a:schemeClr val="lt1"/>
+              </a:fontRef>
+            </p:style>
+            <p:txBody>
+              <a:bodyPr rtlCol="0" anchor="ctr"/>
+              <a:lstStyle/>
+              <a:p>
+                <a:pPr algn="ctr"/>
+                <a:endParaRPr kumimoji="1" lang="ja-JP" altLang="en-US"/>
+              </a:p>
+            </p:txBody>
+          </p:sp>
+          <p:sp>
+            <p:nvSpPr>
+              <p:cNvPr id="28" name="フレーム 27">
+                <a:extLst>
+                  <a:ext uri="{FF2B5EF4-FFF2-40B4-BE49-F238E27FC236}">
+                    <a16:creationId xmlns:a16="http://schemas.microsoft.com/office/drawing/2014/main" id="{EEC16FD1-0D32-47DA-9AA4-04871D206D5E}"/>
+                  </a:ext>
+                </a:extLst>
+              </p:cNvPr>
+              <p:cNvSpPr/>
+              <p:nvPr/>
+            </p:nvSpPr>
+            <p:spPr>
+              <a:xfrm>
+                <a:off x="6057898" y="281491"/>
+                <a:ext cx="2514600" cy="2514600"/>
+              </a:xfrm>
+              <a:prstGeom prst="frame">
+                <a:avLst/>
+              </a:prstGeom>
+              <a:solidFill>
+                <a:srgbClr val="FF0000"/>
+              </a:solidFill>
+              <a:ln>
+                <a:noFill/>
+              </a:ln>
+            </p:spPr>
+            <p:style>
+              <a:lnRef idx="2">
+                <a:schemeClr val="accent1">
+                  <a:shade val="50000"/>
+                </a:schemeClr>
+              </a:lnRef>
+              <a:fillRef idx="1">
+                <a:schemeClr val="accent1"/>
+              </a:fillRef>
+              <a:effectRef idx="0">
+                <a:schemeClr val="accent1"/>
+              </a:effectRef>
+              <a:fontRef idx="minor">
+                <a:schemeClr val="lt1"/>
+              </a:fontRef>
+            </p:style>
+            <p:txBody>
+              <a:bodyPr rtlCol="0" anchor="ctr"/>
+              <a:lstStyle/>
+              <a:p>
+                <a:pPr algn="ctr"/>
+                <a:endParaRPr kumimoji="1" lang="ja-JP" altLang="en-US">
+                  <a:solidFill>
+                    <a:schemeClr val="tx1"/>
+                  </a:solidFill>
+                </a:endParaRPr>
+              </a:p>
+            </p:txBody>
+          </p:sp>
+        </p:grpSp>
+      </p:grpSp>
+      <p:grpSp>
+        <p:nvGrpSpPr>
+          <p:cNvPr id="29" name="グループ化 28"/>
+          <p:cNvGrpSpPr>
+            <a:grpSpLocks noChangeAspect="1"/>
+          </p:cNvGrpSpPr>
+          <p:nvPr/>
+        </p:nvGrpSpPr>
+        <p:grpSpPr>
+          <a:xfrm>
+            <a:off x="1232799" y="4273124"/>
+            <a:ext cx="925200" cy="925200"/>
+            <a:chOff x="369256" y="281489"/>
+            <a:chExt cx="2514600" cy="2514600"/>
+          </a:xfrm>
+        </p:grpSpPr>
+        <p:sp>
+          <p:nvSpPr>
+            <p:cNvPr id="30" name="フレーム 29">
+              <a:extLst>
+                <a:ext uri="{FF2B5EF4-FFF2-40B4-BE49-F238E27FC236}">
+                  <a16:creationId xmlns:a16="http://schemas.microsoft.com/office/drawing/2014/main" id="{DF01115C-46E5-4CBC-BB3A-2F537B7D3510}"/>
+                </a:ext>
+              </a:extLst>
+            </p:cNvPr>
+            <p:cNvSpPr/>
+            <p:nvPr/>
+          </p:nvSpPr>
+          <p:spPr>
+            <a:xfrm>
+              <a:off x="674054" y="281489"/>
+              <a:ext cx="2209802" cy="2209802"/>
+            </a:xfrm>
+            <a:prstGeom prst="frame">
+              <a:avLst/>
+            </a:prstGeom>
+            <a:solidFill>
+              <a:srgbClr val="0070C0"/>
+            </a:solidFill>
+            <a:ln w="25400">
+              <a:noFill/>
+            </a:ln>
+          </p:spPr>
+          <p:style>
+            <a:lnRef idx="2">
+              <a:schemeClr val="accent1">
+                <a:shade val="50000"/>
+              </a:schemeClr>
+            </a:lnRef>
+            <a:fillRef idx="1">
+              <a:schemeClr val="accent1"/>
+            </a:fillRef>
+            <a:effectRef idx="0">
+              <a:schemeClr val="accent1"/>
+            </a:effectRef>
+            <a:fontRef idx="minor">
+              <a:schemeClr val="lt1"/>
+            </a:fontRef>
+          </p:style>
+          <p:txBody>
+            <a:bodyPr rtlCol="0" anchor="ctr"/>
+            <a:lstStyle/>
+            <a:p>
+              <a:pPr algn="ctr"/>
+              <a:endParaRPr kumimoji="1" lang="ja-JP" altLang="en-US">
+                <a:solidFill>
+                  <a:schemeClr val="tx1"/>
+                </a:solidFill>
+              </a:endParaRPr>
+            </a:p>
+          </p:txBody>
+        </p:sp>
+        <p:sp>
+          <p:nvSpPr>
+            <p:cNvPr id="31" name="フレーム 30">
+              <a:extLst>
+                <a:ext uri="{FF2B5EF4-FFF2-40B4-BE49-F238E27FC236}">
+                  <a16:creationId xmlns:a16="http://schemas.microsoft.com/office/drawing/2014/main" id="{0A1F0DA4-3A73-434F-846C-F0A360F449C1}"/>
+                </a:ext>
+              </a:extLst>
+            </p:cNvPr>
+            <p:cNvSpPr/>
+            <p:nvPr/>
+          </p:nvSpPr>
+          <p:spPr>
+            <a:xfrm>
+              <a:off x="1835943" y="664136"/>
+              <a:ext cx="664369" cy="666983"/>
+            </a:xfrm>
+            <a:prstGeom prst="frame">
+              <a:avLst/>
+            </a:prstGeom>
+            <a:solidFill>
+              <a:srgbClr val="FFFF00"/>
+            </a:solidFill>
+            <a:ln w="25400">
+              <a:noFill/>
+            </a:ln>
+          </p:spPr>
+          <p:style>
+            <a:lnRef idx="2">
+              <a:schemeClr val="accent1">
+                <a:shade val="50000"/>
+              </a:schemeClr>
+            </a:lnRef>
+            <a:fillRef idx="1">
+              <a:schemeClr val="accent1"/>
+            </a:fillRef>
+            <a:effectRef idx="0">
+              <a:schemeClr val="accent1"/>
+            </a:effectRef>
+            <a:fontRef idx="minor">
+              <a:schemeClr val="lt1"/>
+            </a:fontRef>
+          </p:style>
+          <p:txBody>
+            <a:bodyPr rtlCol="0" anchor="ctr"/>
+            <a:lstStyle/>
+            <a:p>
+              <a:pPr algn="ctr"/>
+              <a:endParaRPr kumimoji="1" lang="ja-JP" altLang="en-US">
+                <a:solidFill>
+                  <a:schemeClr val="tx1"/>
+                </a:solidFill>
+              </a:endParaRPr>
+            </a:p>
+          </p:txBody>
+        </p:sp>
+        <p:sp>
+          <p:nvSpPr>
+            <p:cNvPr id="32" name="L 字 31">
+              <a:extLst>
+                <a:ext uri="{FF2B5EF4-FFF2-40B4-BE49-F238E27FC236}">
+                  <a16:creationId xmlns:a16="http://schemas.microsoft.com/office/drawing/2014/main" id="{F0E29906-E0DE-484F-871C-7BAA1E08E7E4}"/>
+                </a:ext>
+              </a:extLst>
+            </p:cNvPr>
+            <p:cNvSpPr/>
+            <p:nvPr/>
+          </p:nvSpPr>
+          <p:spPr>
+            <a:xfrm>
+              <a:off x="369256" y="281489"/>
+              <a:ext cx="2514600" cy="2514600"/>
+            </a:xfrm>
+            <a:prstGeom prst="corner">
+              <a:avLst>
+                <a:gd name="adj1" fmla="val 13137"/>
+                <a:gd name="adj2" fmla="val 12567"/>
+              </a:avLst>
+            </a:prstGeom>
+            <a:solidFill>
+              <a:srgbClr val="00B050"/>
+            </a:solidFill>
+            <a:ln>
+              <a:noFill/>
+            </a:ln>
+          </p:spPr>
+          <p:style>
+            <a:lnRef idx="2">
+              <a:schemeClr val="accent1">
+                <a:shade val="50000"/>
+              </a:schemeClr>
+            </a:lnRef>
+            <a:fillRef idx="1">
+              <a:schemeClr val="accent1"/>
+            </a:fillRef>
+            <a:effectRef idx="0">
+              <a:schemeClr val="accent1"/>
+            </a:effectRef>
+            <a:fontRef idx="minor">
+              <a:schemeClr val="lt1"/>
+            </a:fontRef>
+          </p:style>
+          <p:txBody>
+            <a:bodyPr rtlCol="0" anchor="ctr"/>
+            <a:lstStyle/>
+            <a:p>
+              <a:pPr algn="ctr"/>
+              <a:endParaRPr kumimoji="1" lang="ja-JP" altLang="en-US"/>
+            </a:p>
+          </p:txBody>
+        </p:sp>
+        <p:grpSp>
+          <p:nvGrpSpPr>
+            <p:cNvPr id="33" name="グループ化 32"/>
+            <p:cNvGrpSpPr/>
+            <p:nvPr/>
+          </p:nvGrpSpPr>
+          <p:grpSpPr>
+            <a:xfrm>
+              <a:off x="1724394" y="557213"/>
+              <a:ext cx="883076" cy="1657351"/>
+              <a:chOff x="6057898" y="281491"/>
+              <a:chExt cx="2514600" cy="4724400"/>
+            </a:xfrm>
+          </p:grpSpPr>
+          <p:sp>
+            <p:nvSpPr>
+              <p:cNvPr id="34" name="L 字 33">
+                <a:extLst>
+                  <a:ext uri="{FF2B5EF4-FFF2-40B4-BE49-F238E27FC236}">
+                    <a16:creationId xmlns:a16="http://schemas.microsoft.com/office/drawing/2014/main" id="{42004B5C-3477-4467-B6BB-C19CD672BDB5}"/>
+                  </a:ext>
+                </a:extLst>
+              </p:cNvPr>
+              <p:cNvSpPr/>
+              <p:nvPr/>
+            </p:nvSpPr>
+            <p:spPr>
+              <a:xfrm rot="16200000">
+                <a:off x="6210298" y="2643691"/>
+                <a:ext cx="2209800" cy="2514600"/>
+              </a:xfrm>
+              <a:prstGeom prst="corner">
+                <a:avLst>
+                  <a:gd name="adj1" fmla="val 13623"/>
+                  <a:gd name="adj2" fmla="val 14515"/>
+                </a:avLst>
+              </a:prstGeom>
+              <a:solidFill>
+                <a:srgbClr val="FF0000"/>
+              </a:solidFill>
+              <a:ln>
+                <a:noFill/>
+              </a:ln>
+            </p:spPr>
+            <p:style>
+              <a:lnRef idx="2">
+                <a:schemeClr val="accent1">
+                  <a:shade val="50000"/>
+                </a:schemeClr>
+              </a:lnRef>
+              <a:fillRef idx="1">
+                <a:schemeClr val="accent1"/>
+              </a:fillRef>
+              <a:effectRef idx="0">
+                <a:schemeClr val="accent1"/>
+              </a:effectRef>
+              <a:fontRef idx="minor">
+                <a:schemeClr val="lt1"/>
+              </a:fontRef>
+            </p:style>
+            <p:txBody>
+              <a:bodyPr rtlCol="0" anchor="ctr"/>
+              <a:lstStyle/>
+              <a:p>
+                <a:pPr algn="ctr"/>
+                <a:endParaRPr kumimoji="1" lang="ja-JP" altLang="en-US"/>
+              </a:p>
+            </p:txBody>
+          </p:sp>
+          <p:sp>
+            <p:nvSpPr>
+              <p:cNvPr id="35" name="フレーム 34">
+                <a:extLst>
+                  <a:ext uri="{FF2B5EF4-FFF2-40B4-BE49-F238E27FC236}">
+                    <a16:creationId xmlns:a16="http://schemas.microsoft.com/office/drawing/2014/main" id="{EEC16FD1-0D32-47DA-9AA4-04871D206D5E}"/>
+                  </a:ext>
+                </a:extLst>
+              </p:cNvPr>
+              <p:cNvSpPr/>
+              <p:nvPr/>
+            </p:nvSpPr>
+            <p:spPr>
+              <a:xfrm>
+                <a:off x="6057898" y="281491"/>
+                <a:ext cx="2514600" cy="2514600"/>
+              </a:xfrm>
+              <a:prstGeom prst="frame">
+                <a:avLst/>
+              </a:prstGeom>
+              <a:solidFill>
+                <a:srgbClr val="FF0000"/>
+              </a:solidFill>
+              <a:ln>
+                <a:noFill/>
+              </a:ln>
+            </p:spPr>
+            <p:style>
+              <a:lnRef idx="2">
+                <a:schemeClr val="accent1">
+                  <a:shade val="50000"/>
+                </a:schemeClr>
+              </a:lnRef>
+              <a:fillRef idx="1">
+                <a:schemeClr val="accent1"/>
+              </a:fillRef>
+              <a:effectRef idx="0">
+                <a:schemeClr val="accent1"/>
+              </a:effectRef>
+              <a:fontRef idx="minor">
+                <a:schemeClr val="lt1"/>
+              </a:fontRef>
+            </p:style>
+            <p:txBody>
+              <a:bodyPr rtlCol="0" anchor="ctr"/>
+              <a:lstStyle/>
+              <a:p>
+                <a:pPr algn="ctr"/>
+                <a:endParaRPr kumimoji="1" lang="ja-JP" altLang="en-US">
+                  <a:solidFill>
+                    <a:schemeClr val="tx1"/>
+                  </a:solidFill>
+                </a:endParaRPr>
+              </a:p>
+            </p:txBody>
+          </p:sp>
+        </p:grpSp>
+      </p:grpSp>
     </p:spTree>
     <p:extLst>
       <p:ext uri="{BB962C8B-B14F-4D97-AF65-F5344CB8AC3E}">
@@ -4266,6 +4886,13 @@
   <p:clrMapOvr>
     <a:masterClrMapping/>
   </p:clrMapOvr>
+  <p:timing>
+    <p:tnLst>
+      <p:par>
+        <p:cTn id="1" dur="indefinite" restart="never" nodeType="tmRoot"/>
+      </p:par>
+    </p:tnLst>
+  </p:timing>
 </p:sld>
 </file>
 

--- a/img/imgs.pptx
+++ b/img/imgs.pptx
@@ -259,7 +259,7 @@
           <a:p>
             <a:fld id="{E1D061CF-8DA4-4132-BBF9-9F36E46E278C}" type="datetimeFigureOut">
               <a:rPr kumimoji="1" lang="ja-JP" altLang="en-US" smtClean="0"/>
-              <a:t>2021/11/29</a:t>
+              <a:t>2021/11/30</a:t>
             </a:fld>
             <a:endParaRPr kumimoji="1" lang="ja-JP" altLang="en-US"/>
           </a:p>
@@ -489,7 +489,7 @@
           <a:p>
             <a:fld id="{E1D061CF-8DA4-4132-BBF9-9F36E46E278C}" type="datetimeFigureOut">
               <a:rPr kumimoji="1" lang="ja-JP" altLang="en-US" smtClean="0"/>
-              <a:t>2021/11/29</a:t>
+              <a:t>2021/11/30</a:t>
             </a:fld>
             <a:endParaRPr kumimoji="1" lang="ja-JP" altLang="en-US"/>
           </a:p>
@@ -729,7 +729,7 @@
           <a:p>
             <a:fld id="{E1D061CF-8DA4-4132-BBF9-9F36E46E278C}" type="datetimeFigureOut">
               <a:rPr kumimoji="1" lang="ja-JP" altLang="en-US" smtClean="0"/>
-              <a:t>2021/11/29</a:t>
+              <a:t>2021/11/30</a:t>
             </a:fld>
             <a:endParaRPr kumimoji="1" lang="ja-JP" altLang="en-US"/>
           </a:p>
@@ -959,7 +959,7 @@
           <a:p>
             <a:fld id="{E1D061CF-8DA4-4132-BBF9-9F36E46E278C}" type="datetimeFigureOut">
               <a:rPr kumimoji="1" lang="ja-JP" altLang="en-US" smtClean="0"/>
-              <a:t>2021/11/29</a:t>
+              <a:t>2021/11/30</a:t>
             </a:fld>
             <a:endParaRPr kumimoji="1" lang="ja-JP" altLang="en-US"/>
           </a:p>
@@ -1234,7 +1234,7 @@
           <a:p>
             <a:fld id="{E1D061CF-8DA4-4132-BBF9-9F36E46E278C}" type="datetimeFigureOut">
               <a:rPr kumimoji="1" lang="ja-JP" altLang="en-US" smtClean="0"/>
-              <a:t>2021/11/29</a:t>
+              <a:t>2021/11/30</a:t>
             </a:fld>
             <a:endParaRPr kumimoji="1" lang="ja-JP" altLang="en-US"/>
           </a:p>
@@ -1563,7 +1563,7 @@
           <a:p>
             <a:fld id="{E1D061CF-8DA4-4132-BBF9-9F36E46E278C}" type="datetimeFigureOut">
               <a:rPr kumimoji="1" lang="ja-JP" altLang="en-US" smtClean="0"/>
-              <a:t>2021/11/29</a:t>
+              <a:t>2021/11/30</a:t>
             </a:fld>
             <a:endParaRPr kumimoji="1" lang="ja-JP" altLang="en-US"/>
           </a:p>
@@ -2039,7 +2039,7 @@
           <a:p>
             <a:fld id="{E1D061CF-8DA4-4132-BBF9-9F36E46E278C}" type="datetimeFigureOut">
               <a:rPr kumimoji="1" lang="ja-JP" altLang="en-US" smtClean="0"/>
-              <a:t>2021/11/29</a:t>
+              <a:t>2021/11/30</a:t>
             </a:fld>
             <a:endParaRPr kumimoji="1" lang="ja-JP" altLang="en-US"/>
           </a:p>
@@ -2180,7 +2180,7 @@
           <a:p>
             <a:fld id="{E1D061CF-8DA4-4132-BBF9-9F36E46E278C}" type="datetimeFigureOut">
               <a:rPr kumimoji="1" lang="ja-JP" altLang="en-US" smtClean="0"/>
-              <a:t>2021/11/29</a:t>
+              <a:t>2021/11/30</a:t>
             </a:fld>
             <a:endParaRPr kumimoji="1" lang="ja-JP" altLang="en-US"/>
           </a:p>
@@ -2293,7 +2293,7 @@
           <a:p>
             <a:fld id="{E1D061CF-8DA4-4132-BBF9-9F36E46E278C}" type="datetimeFigureOut">
               <a:rPr kumimoji="1" lang="ja-JP" altLang="en-US" smtClean="0"/>
-              <a:t>2021/11/29</a:t>
+              <a:t>2021/11/30</a:t>
             </a:fld>
             <a:endParaRPr kumimoji="1" lang="ja-JP" altLang="en-US"/>
           </a:p>
@@ -2636,7 +2636,7 @@
           <a:p>
             <a:fld id="{E1D061CF-8DA4-4132-BBF9-9F36E46E278C}" type="datetimeFigureOut">
               <a:rPr kumimoji="1" lang="ja-JP" altLang="en-US" smtClean="0"/>
-              <a:t>2021/11/29</a:t>
+              <a:t>2021/11/30</a:t>
             </a:fld>
             <a:endParaRPr kumimoji="1" lang="ja-JP" altLang="en-US"/>
           </a:p>
@@ -2924,7 +2924,7 @@
           <a:p>
             <a:fld id="{E1D061CF-8DA4-4132-BBF9-9F36E46E278C}" type="datetimeFigureOut">
               <a:rPr kumimoji="1" lang="ja-JP" altLang="en-US" smtClean="0"/>
-              <a:t>2021/11/29</a:t>
+              <a:t>2021/11/30</a:t>
             </a:fld>
             <a:endParaRPr kumimoji="1" lang="ja-JP" altLang="en-US"/>
           </a:p>
@@ -3197,7 +3197,7 @@
           <a:p>
             <a:fld id="{E1D061CF-8DA4-4132-BBF9-9F36E46E278C}" type="datetimeFigureOut">
               <a:rPr kumimoji="1" lang="ja-JP" altLang="en-US" smtClean="0"/>
-              <a:t>2021/11/29</a:t>
+              <a:t>2021/11/30</a:t>
             </a:fld>
             <a:endParaRPr kumimoji="1" lang="ja-JP" altLang="en-US"/>
           </a:p>
@@ -4577,7 +4577,7 @@
         <p:grpSpPr>
           <a:xfrm>
             <a:off x="1232799" y="4273124"/>
-            <a:ext cx="925200" cy="925200"/>
+            <a:ext cx="1094400" cy="1094400"/>
             <a:chOff x="369256" y="281489"/>
             <a:chExt cx="2514600" cy="2514600"/>
           </a:xfrm>
